--- a/Images/Figures_To_Review/Portrait_Figures.pptx
+++ b/Images/Figures_To_Review/Portrait_Figures.pptx
@@ -108,6 +108,11 @@
       </a:defRPr>
     </a:lvl9pPr>
   </p:defaultTextStyle>
+  <p:extLst>
+    <p:ext uri="{EFAFB233-063F-42B5-8137-9DF3F51BA10A}">
+      <p15:sldGuideLst xmlns:p15="http://schemas.microsoft.com/office/powerpoint/2012/main"/>
+    </p:ext>
+  </p:extLst>
 </p:presentation>
 </file>
 
@@ -242,7 +247,7 @@
           <a:p>
             <a:fld id="{9F63612E-C667-4B87-BE21-CEDCDFE9BED7}" type="datetimeFigureOut">
               <a:rPr lang="en-US" smtClean="0"/>
-              <a:t>7/22/2025</a:t>
+              <a:t>7/24/2025</a:t>
             </a:fld>
             <a:endParaRPr lang="en-US"/>
           </a:p>
@@ -412,7 +417,7 @@
           <a:p>
             <a:fld id="{9F63612E-C667-4B87-BE21-CEDCDFE9BED7}" type="datetimeFigureOut">
               <a:rPr lang="en-US" smtClean="0"/>
-              <a:t>7/22/2025</a:t>
+              <a:t>7/24/2025</a:t>
             </a:fld>
             <a:endParaRPr lang="en-US"/>
           </a:p>
@@ -592,7 +597,7 @@
           <a:p>
             <a:fld id="{9F63612E-C667-4B87-BE21-CEDCDFE9BED7}" type="datetimeFigureOut">
               <a:rPr lang="en-US" smtClean="0"/>
-              <a:t>7/22/2025</a:t>
+              <a:t>7/24/2025</a:t>
             </a:fld>
             <a:endParaRPr lang="en-US"/>
           </a:p>
@@ -762,7 +767,7 @@
           <a:p>
             <a:fld id="{9F63612E-C667-4B87-BE21-CEDCDFE9BED7}" type="datetimeFigureOut">
               <a:rPr lang="en-US" smtClean="0"/>
-              <a:t>7/22/2025</a:t>
+              <a:t>7/24/2025</a:t>
             </a:fld>
             <a:endParaRPr lang="en-US"/>
           </a:p>
@@ -1008,7 +1013,7 @@
           <a:p>
             <a:fld id="{9F63612E-C667-4B87-BE21-CEDCDFE9BED7}" type="datetimeFigureOut">
               <a:rPr lang="en-US" smtClean="0"/>
-              <a:t>7/22/2025</a:t>
+              <a:t>7/24/2025</a:t>
             </a:fld>
             <a:endParaRPr lang="en-US"/>
           </a:p>
@@ -1240,7 +1245,7 @@
           <a:p>
             <a:fld id="{9F63612E-C667-4B87-BE21-CEDCDFE9BED7}" type="datetimeFigureOut">
               <a:rPr lang="en-US" smtClean="0"/>
-              <a:t>7/22/2025</a:t>
+              <a:t>7/24/2025</a:t>
             </a:fld>
             <a:endParaRPr lang="en-US"/>
           </a:p>
@@ -1607,7 +1612,7 @@
           <a:p>
             <a:fld id="{9F63612E-C667-4B87-BE21-CEDCDFE9BED7}" type="datetimeFigureOut">
               <a:rPr lang="en-US" smtClean="0"/>
-              <a:t>7/22/2025</a:t>
+              <a:t>7/24/2025</a:t>
             </a:fld>
             <a:endParaRPr lang="en-US"/>
           </a:p>
@@ -1725,7 +1730,7 @@
           <a:p>
             <a:fld id="{9F63612E-C667-4B87-BE21-CEDCDFE9BED7}" type="datetimeFigureOut">
               <a:rPr lang="en-US" smtClean="0"/>
-              <a:t>7/22/2025</a:t>
+              <a:t>7/24/2025</a:t>
             </a:fld>
             <a:endParaRPr lang="en-US"/>
           </a:p>
@@ -1820,7 +1825,7 @@
           <a:p>
             <a:fld id="{9F63612E-C667-4B87-BE21-CEDCDFE9BED7}" type="datetimeFigureOut">
               <a:rPr lang="en-US" smtClean="0"/>
-              <a:t>7/22/2025</a:t>
+              <a:t>7/24/2025</a:t>
             </a:fld>
             <a:endParaRPr lang="en-US"/>
           </a:p>
@@ -2097,7 +2102,7 @@
           <a:p>
             <a:fld id="{9F63612E-C667-4B87-BE21-CEDCDFE9BED7}" type="datetimeFigureOut">
               <a:rPr lang="en-US" smtClean="0"/>
-              <a:t>7/22/2025</a:t>
+              <a:t>7/24/2025</a:t>
             </a:fld>
             <a:endParaRPr lang="en-US"/>
           </a:p>
@@ -2354,7 +2359,7 @@
           <a:p>
             <a:fld id="{9F63612E-C667-4B87-BE21-CEDCDFE9BED7}" type="datetimeFigureOut">
               <a:rPr lang="en-US" smtClean="0"/>
-              <a:t>7/22/2025</a:t>
+              <a:t>7/24/2025</a:t>
             </a:fld>
             <a:endParaRPr lang="en-US"/>
           </a:p>
@@ -2567,7 +2572,7 @@
           <a:p>
             <a:fld id="{9F63612E-C667-4B87-BE21-CEDCDFE9BED7}" type="datetimeFigureOut">
               <a:rPr lang="en-US" smtClean="0"/>
-              <a:t>7/22/2025</a:t>
+              <a:t>7/24/2025</a:t>
             </a:fld>
             <a:endParaRPr lang="en-US"/>
           </a:p>
@@ -3038,7 +3043,7 @@
         </p:blipFill>
         <p:spPr>
           <a:xfrm>
-            <a:off x="0" y="9060291"/>
+            <a:off x="0" y="4382497"/>
             <a:ext cx="6673684" cy="2693481"/>
           </a:xfrm>
           <a:prstGeom prst="rect">
@@ -3096,7 +3101,7 @@
         </p:nvGrpSpPr>
         <p:grpSpPr>
           <a:xfrm>
-            <a:off x="165465" y="4988264"/>
+            <a:off x="361261" y="9478820"/>
             <a:ext cx="6496739" cy="2632730"/>
             <a:chOff x="5695263" y="1054348"/>
             <a:chExt cx="6496739" cy="2632730"/>
@@ -4530,7 +4535,7 @@
           <a:p>
             <a:r>
               <a:rPr lang="en-US" dirty="0"/>
-              <a:t>A</a:t>
+              <a:t>(A)</a:t>
             </a:r>
           </a:p>
         </p:txBody>
@@ -4565,7 +4570,7 @@
           <a:p>
             <a:r>
               <a:rPr lang="en-US" dirty="0"/>
-              <a:t>B</a:t>
+              <a:t>(B)</a:t>
             </a:r>
           </a:p>
         </p:txBody>
@@ -4584,7 +4589,7 @@
         </p:nvSpPr>
         <p:spPr>
           <a:xfrm>
-            <a:off x="347730" y="9109488"/>
+            <a:off x="347730" y="8775883"/>
             <a:ext cx="610368" cy="369332"/>
           </a:xfrm>
           <a:prstGeom prst="rect">
@@ -4600,7 +4605,7 @@
           <a:p>
             <a:r>
               <a:rPr lang="en-US" dirty="0"/>
-              <a:t>C</a:t>
+              <a:t>(C) </a:t>
             </a:r>
           </a:p>
         </p:txBody>
@@ -4649,10 +4654,10 @@
         </p:nvGrpSpPr>
         <p:grpSpPr>
           <a:xfrm>
-            <a:off x="0" y="509622"/>
-            <a:ext cx="7895183" cy="3156845"/>
-            <a:chOff x="2148408" y="1689706"/>
-            <a:chExt cx="7895183" cy="3156845"/>
+            <a:off x="16196" y="1134894"/>
+            <a:ext cx="6841805" cy="2589461"/>
+            <a:chOff x="2221456" y="1689706"/>
+            <a:chExt cx="7822135" cy="3156845"/>
           </a:xfrm>
         </p:grpSpPr>
         <p:grpSp>
@@ -4669,10 +4674,10 @@
           </p:nvGrpSpPr>
           <p:grpSpPr>
             <a:xfrm>
-              <a:off x="2148408" y="1689706"/>
-              <a:ext cx="7895183" cy="3156845"/>
-              <a:chOff x="96768" y="2797186"/>
-              <a:chExt cx="11723884" cy="4060814"/>
+              <a:off x="2221456" y="1689706"/>
+              <a:ext cx="7822135" cy="3156845"/>
+              <a:chOff x="205240" y="2797186"/>
+              <a:chExt cx="11615412" cy="4060814"/>
             </a:xfrm>
           </p:grpSpPr>
           <p:sp>
@@ -4689,8 +4694,8 @@
             </p:nvSpPr>
             <p:spPr>
               <a:xfrm>
-                <a:off x="96768" y="4610438"/>
-                <a:ext cx="1390186" cy="921835"/>
+                <a:off x="205240" y="4610438"/>
+                <a:ext cx="1281715" cy="921835"/>
               </a:xfrm>
               <a:prstGeom prst="ellipse">
                 <a:avLst/>
@@ -4724,7 +4729,7 @@
               <a:p>
                 <a:pPr algn="ctr"/>
                 <a:r>
-                  <a:rPr lang="en-US" sz="600" b="1" i="1" dirty="0">
+                  <a:rPr lang="en-US" sz="500" b="1" i="1" dirty="0">
                     <a:ln w="0"/>
                     <a:solidFill>
                       <a:schemeClr val="tx1"/>
@@ -4740,7 +4745,7 @@
                   </a:rPr>
                   <a:t>LECA</a:t>
                 </a:r>
-                <a:endParaRPr lang="en-US" sz="600" b="1" i="1" dirty="0">
+                <a:endParaRPr lang="en-US" sz="500" b="1" i="1" dirty="0">
                   <a:cs typeface="Times New Roman" panose="02020603050405020304" pitchFamily="18" charset="0"/>
                 </a:endParaRPr>
               </a:p>
@@ -4760,8 +4765,8 @@
             </p:nvSpPr>
             <p:spPr>
               <a:xfrm>
-                <a:off x="2939777" y="3284713"/>
-                <a:ext cx="1575913" cy="921835"/>
+                <a:off x="2661566" y="3284714"/>
+                <a:ext cx="1854125" cy="921835"/>
               </a:xfrm>
               <a:prstGeom prst="ellipse">
                 <a:avLst/>
@@ -4825,8 +4830,8 @@
             </p:nvSpPr>
             <p:spPr>
               <a:xfrm>
-                <a:off x="2967274" y="4610439"/>
-                <a:ext cx="1548417" cy="921835"/>
+                <a:off x="2661567" y="4610439"/>
+                <a:ext cx="1854125" cy="921835"/>
               </a:xfrm>
               <a:prstGeom prst="ellipse">
                 <a:avLst/>
@@ -4859,7 +4864,7 @@
               <a:p>
                 <a:pPr algn="ctr"/>
                 <a:r>
-                  <a:rPr lang="en-US" sz="600" b="1" dirty="0">
+                  <a:rPr lang="en-US" sz="1200" b="1" dirty="0">
                     <a:ln w="0"/>
                     <a:solidFill>
                       <a:schemeClr val="tx1"/>
@@ -4875,7 +4880,7 @@
                   </a:rPr>
                   <a:t>SAR</a:t>
                 </a:r>
-                <a:endParaRPr lang="en-US" sz="600" b="1" dirty="0">
+                <a:endParaRPr lang="en-US" sz="1200" b="1" dirty="0">
                   <a:cs typeface="Times New Roman" panose="02020603050405020304" pitchFamily="18" charset="0"/>
                 </a:endParaRPr>
               </a:p>
@@ -4895,8 +4900,8 @@
             </p:nvSpPr>
             <p:spPr>
               <a:xfrm>
-                <a:off x="2967274" y="5936165"/>
-                <a:ext cx="1548417" cy="921835"/>
+                <a:off x="2661567" y="5936165"/>
+                <a:ext cx="1854125" cy="921835"/>
               </a:xfrm>
               <a:prstGeom prst="ellipse">
                 <a:avLst/>
@@ -4997,7 +5002,7 @@
               <a:p>
                 <a:pPr algn="ctr"/>
                 <a:r>
-                  <a:rPr lang="en-US" sz="600" b="1" dirty="0" err="1">
+                  <a:rPr lang="en-US" sz="500" b="1" dirty="0" err="1">
                     <a:ln w="0"/>
                     <a:solidFill>
                       <a:schemeClr val="tx1"/>
@@ -5013,7 +5018,7 @@
                   </a:rPr>
                   <a:t>Alveolata</a:t>
                 </a:r>
-                <a:endParaRPr lang="en-US" sz="600" b="1" dirty="0">
+                <a:endParaRPr lang="en-US" sz="500" b="1" dirty="0">
                   <a:cs typeface="Times New Roman" panose="02020603050405020304" pitchFamily="18" charset="0"/>
                 </a:endParaRPr>
               </a:p>
@@ -5065,7 +5070,7 @@
               <a:p>
                 <a:pPr algn="ctr"/>
                 <a:r>
-                  <a:rPr lang="en-US" sz="600" b="1" dirty="0">
+                  <a:rPr lang="en-US" sz="500" b="1" dirty="0">
                     <a:ln w="0"/>
                     <a:solidFill>
                       <a:schemeClr val="tx1"/>
@@ -5081,7 +5086,7 @@
                   </a:rPr>
                   <a:t>Rhodophyta</a:t>
                 </a:r>
-                <a:endParaRPr lang="en-US" sz="600" b="1" dirty="0">
+                <a:endParaRPr lang="en-US" sz="500" b="1" dirty="0">
                   <a:cs typeface="Times New Roman" panose="02020603050405020304" pitchFamily="18" charset="0"/>
                 </a:endParaRPr>
               </a:p>
@@ -5133,7 +5138,7 @@
               <a:p>
                 <a:pPr algn="ctr"/>
                 <a:r>
-                  <a:rPr lang="en-US" sz="600" b="1" dirty="0">
+                  <a:rPr lang="en-US" sz="500" b="1" dirty="0">
                     <a:ln w="0"/>
                     <a:solidFill>
                       <a:schemeClr val="tx1"/>
@@ -5149,7 +5154,7 @@
                   </a:rPr>
                   <a:t>Chlorophyta</a:t>
                 </a:r>
-                <a:endParaRPr lang="en-US" sz="600" b="1" dirty="0">
+                <a:endParaRPr lang="en-US" sz="500" b="1" dirty="0">
                   <a:cs typeface="Times New Roman" panose="02020603050405020304" pitchFamily="18" charset="0"/>
                 </a:endParaRPr>
               </a:p>
@@ -5201,7 +5206,7 @@
               <a:p>
                 <a:pPr algn="ctr"/>
                 <a:r>
-                  <a:rPr lang="en-US" sz="600" b="1" dirty="0" err="1">
+                  <a:rPr lang="en-US" sz="500" b="1" dirty="0" err="1">
                     <a:ln w="0"/>
                     <a:solidFill>
                       <a:schemeClr val="tx1"/>
@@ -5217,7 +5222,7 @@
                   </a:rPr>
                   <a:t>Streptophyta</a:t>
                 </a:r>
-                <a:endParaRPr lang="en-US" sz="600" b="1" dirty="0">
+                <a:endParaRPr lang="en-US" sz="500" b="1" dirty="0">
                   <a:cs typeface="Times New Roman" panose="02020603050405020304" pitchFamily="18" charset="0"/>
                 </a:endParaRPr>
               </a:p>
@@ -5235,16 +5240,19 @@
               <p:cNvCxnSpPr>
                 <a:cxnSpLocks/>
                 <a:stCxn id="16" idx="6"/>
+                <a:endCxn id="20" idx="2"/>
               </p:cNvCxnSpPr>
               <p:nvPr/>
             </p:nvCxnSpPr>
             <p:spPr>
               <a:xfrm flipV="1">
                 <a:off x="4515691" y="3012777"/>
-                <a:ext cx="670470" cy="732854"/>
+                <a:ext cx="670469" cy="732855"/>
               </a:xfrm>
-              <a:prstGeom prst="bentConnector2">
-                <a:avLst/>
+              <a:prstGeom prst="bentConnector3">
+                <a:avLst>
+                  <a:gd name="adj1" fmla="val 50000"/>
+                </a:avLst>
               </a:prstGeom>
             </p:spPr>
             <p:style>
@@ -5279,7 +5287,7 @@
             </p:nvCxnSpPr>
             <p:spPr>
               <a:xfrm flipV="1">
-                <a:off x="4515691" y="3622422"/>
+                <a:off x="4515691" y="3622423"/>
                 <a:ext cx="670470" cy="123209"/>
               </a:xfrm>
               <a:prstGeom prst="bentConnector3">
@@ -5320,8 +5328,8 @@
             </p:nvCxnSpPr>
             <p:spPr>
               <a:xfrm>
-                <a:off x="4515691" y="3745631"/>
-                <a:ext cx="670470" cy="486437"/>
+                <a:off x="4515691" y="3745632"/>
+                <a:ext cx="670470" cy="486435"/>
               </a:xfrm>
               <a:prstGeom prst="bentConnector3">
                 <a:avLst/>
@@ -5388,7 +5396,7 @@
               <a:p>
                 <a:pPr algn="ctr"/>
                 <a:r>
-                  <a:rPr lang="en-US" sz="600" b="1" dirty="0" err="1">
+                  <a:rPr lang="en-US" sz="500" b="1" dirty="0" err="1">
                     <a:ln w="0"/>
                     <a:solidFill>
                       <a:schemeClr val="tx1"/>
@@ -5404,7 +5412,7 @@
                   </a:rPr>
                   <a:t>Rhizaria</a:t>
                 </a:r>
-                <a:endParaRPr lang="en-US" sz="600" b="1" dirty="0">
+                <a:endParaRPr lang="en-US" sz="500" b="1" dirty="0">
                   <a:cs typeface="Times New Roman" panose="02020603050405020304" pitchFamily="18" charset="0"/>
                 </a:endParaRPr>
               </a:p>
@@ -5424,8 +5432,8 @@
             </p:nvSpPr>
             <p:spPr>
               <a:xfrm>
-                <a:off x="8372603" y="4253688"/>
-                <a:ext cx="1472806" cy="431181"/>
+                <a:off x="8345107" y="4253688"/>
+                <a:ext cx="1500302" cy="431180"/>
               </a:xfrm>
               <a:prstGeom prst="ellipse">
                 <a:avLst/>
@@ -5456,7 +5464,7 @@
               <a:p>
                 <a:pPr algn="ctr"/>
                 <a:r>
-                  <a:rPr lang="en-US" sz="600" b="1" dirty="0" err="1">
+                  <a:rPr lang="en-US" sz="500" b="1" dirty="0" err="1">
                     <a:ln w="0"/>
                     <a:solidFill>
                       <a:schemeClr val="tx1"/>
@@ -5472,7 +5480,7 @@
                   </a:rPr>
                   <a:t>Stramenopiles</a:t>
                 </a:r>
-                <a:endParaRPr lang="en-US" sz="600" b="1" dirty="0">
+                <a:endParaRPr lang="en-US" sz="500" b="1" dirty="0">
                   <a:cs typeface="Times New Roman" panose="02020603050405020304" pitchFamily="18" charset="0"/>
                 </a:endParaRPr>
               </a:p>
@@ -5524,7 +5532,7 @@
               <a:p>
                 <a:pPr algn="ctr"/>
                 <a:r>
-                  <a:rPr lang="en-US" sz="600" b="1" dirty="0" err="1">
+                  <a:rPr lang="en-US" sz="500" b="1" dirty="0" err="1">
                     <a:ln w="0"/>
                     <a:solidFill>
                       <a:schemeClr val="tx1"/>
@@ -5540,7 +5548,7 @@
                   </a:rPr>
                   <a:t>Metamonada</a:t>
                 </a:r>
-                <a:endParaRPr lang="en-US" sz="600" b="1" dirty="0">
+                <a:endParaRPr lang="en-US" sz="500" b="1" dirty="0">
                   <a:cs typeface="Times New Roman" panose="02020603050405020304" pitchFamily="18" charset="0"/>
                 </a:endParaRPr>
               </a:p>
@@ -5592,7 +5600,7 @@
               <a:p>
                 <a:pPr algn="ctr"/>
                 <a:r>
-                  <a:rPr lang="en-US" sz="600" b="1" dirty="0" err="1">
+                  <a:rPr lang="en-US" sz="500" b="1" dirty="0" err="1">
                     <a:ln w="0"/>
                     <a:solidFill>
                       <a:schemeClr val="tx1"/>
@@ -5608,7 +5616,7 @@
                   </a:rPr>
                   <a:t>Discoba</a:t>
                 </a:r>
-                <a:endParaRPr lang="en-US" sz="600" b="1" dirty="0">
+                <a:endParaRPr lang="en-US" sz="500" b="1" dirty="0">
                   <a:cs typeface="Times New Roman" panose="02020603050405020304" pitchFamily="18" charset="0"/>
                 </a:endParaRPr>
               </a:p>
@@ -5632,8 +5640,8 @@
             </p:nvCxnSpPr>
             <p:spPr>
               <a:xfrm flipV="1">
-                <a:off x="1486954" y="3745631"/>
-                <a:ext cx="1452824" cy="1325725"/>
+                <a:off x="1486955" y="3745632"/>
+                <a:ext cx="1174611" cy="1325724"/>
               </a:xfrm>
               <a:prstGeom prst="bentConnector3">
                 <a:avLst/>
@@ -5672,11 +5680,13 @@
             </p:nvCxnSpPr>
             <p:spPr>
               <a:xfrm>
-                <a:off x="1486954" y="5071356"/>
-                <a:ext cx="1480320" cy="1325727"/>
+                <a:off x="1486955" y="5071356"/>
+                <a:ext cx="1174613" cy="1325727"/>
               </a:xfrm>
               <a:prstGeom prst="bentConnector3">
-                <a:avLst/>
+                <a:avLst>
+                  <a:gd name="adj1" fmla="val 50000"/>
+                </a:avLst>
               </a:prstGeom>
             </p:spPr>
             <p:style>
@@ -5712,8 +5722,8 @@
             </p:nvCxnSpPr>
             <p:spPr>
               <a:xfrm>
-                <a:off x="1486954" y="5071356"/>
-                <a:ext cx="1480320" cy="1"/>
+                <a:off x="1486955" y="5071356"/>
+                <a:ext cx="1174613" cy="2"/>
               </a:xfrm>
               <a:prstGeom prst="bentConnector3">
                 <a:avLst/>
@@ -5751,8 +5761,8 @@
             </p:nvCxnSpPr>
             <p:spPr>
               <a:xfrm flipV="1">
-                <a:off x="4515691" y="6026644"/>
-                <a:ext cx="670470" cy="370440"/>
+                <a:off x="4515693" y="6026644"/>
+                <a:ext cx="670469" cy="370439"/>
               </a:xfrm>
               <a:prstGeom prst="bentConnector3">
                 <a:avLst/>
@@ -5790,8 +5800,8 @@
             </p:nvCxnSpPr>
             <p:spPr>
               <a:xfrm>
-                <a:off x="4515691" y="6397083"/>
-                <a:ext cx="670470" cy="245327"/>
+                <a:off x="4515693" y="6397083"/>
+                <a:ext cx="670469" cy="245327"/>
               </a:xfrm>
               <a:prstGeom prst="bentConnector3">
                 <a:avLst/>
@@ -5830,8 +5840,8 @@
             </p:nvCxnSpPr>
             <p:spPr>
               <a:xfrm flipV="1">
-                <a:off x="4515691" y="5055219"/>
-                <a:ext cx="3856914" cy="16139"/>
+                <a:off x="4515693" y="5055218"/>
+                <a:ext cx="3856912" cy="16140"/>
               </a:xfrm>
               <a:prstGeom prst="line">
                 <a:avLst/>
@@ -5870,8 +5880,8 @@
             </p:nvCxnSpPr>
             <p:spPr>
               <a:xfrm flipV="1">
-                <a:off x="4515691" y="4469279"/>
-                <a:ext cx="3856913" cy="602078"/>
+                <a:off x="4515693" y="4469279"/>
+                <a:ext cx="3829414" cy="602079"/>
               </a:xfrm>
               <a:prstGeom prst="bentConnector3">
                 <a:avLst>
@@ -5912,8 +5922,8 @@
             </p:nvCxnSpPr>
             <p:spPr>
               <a:xfrm>
-                <a:off x="4515691" y="5071357"/>
-                <a:ext cx="3856914" cy="569300"/>
+                <a:off x="4515693" y="5071358"/>
+                <a:ext cx="3856912" cy="569299"/>
               </a:xfrm>
               <a:prstGeom prst="bentConnector3">
                 <a:avLst>
@@ -5950,8 +5960,8 @@
             </p:nvSpPr>
             <p:spPr>
               <a:xfrm>
-                <a:off x="10306601" y="3744090"/>
-                <a:ext cx="1486553" cy="308763"/>
+                <a:off x="10306600" y="3744091"/>
+                <a:ext cx="1486554" cy="345050"/>
               </a:xfrm>
               <a:prstGeom prst="plaque">
                 <a:avLst/>
@@ -5973,7 +5983,7 @@
               <a:p>
                 <a:pPr algn="ctr"/>
                 <a:r>
-                  <a:rPr lang="en-US" sz="600" b="1" dirty="0">
+                  <a:rPr lang="en-US" sz="500" b="1" dirty="0">
                     <a:cs typeface="Times New Roman" panose="02020603050405020304" pitchFamily="18" charset="0"/>
                   </a:rPr>
                   <a:t>TORC1</a:t>
@@ -5995,8 +6005,8 @@
             </p:nvSpPr>
             <p:spPr>
               <a:xfrm>
-                <a:off x="10306601" y="4056058"/>
-                <a:ext cx="1486553" cy="308763"/>
+                <a:off x="10306600" y="4056057"/>
+                <a:ext cx="1486554" cy="345050"/>
               </a:xfrm>
               <a:prstGeom prst="plaque">
                 <a:avLst/>
@@ -6018,7 +6028,7 @@
               <a:p>
                 <a:pPr algn="ctr"/>
                 <a:r>
-                  <a:rPr lang="en-US" sz="600" b="1" dirty="0">
+                  <a:rPr lang="en-US" sz="500" b="1" dirty="0">
                     <a:cs typeface="Times New Roman" panose="02020603050405020304" pitchFamily="18" charset="0"/>
                   </a:rPr>
                   <a:t>TORC1 &amp; TORC2</a:t>
@@ -6040,8 +6050,8 @@
             </p:nvSpPr>
             <p:spPr>
               <a:xfrm>
-                <a:off x="10306601" y="5687314"/>
-                <a:ext cx="1486553" cy="308763"/>
+                <a:off x="10306600" y="5687314"/>
+                <a:ext cx="1486554" cy="345050"/>
               </a:xfrm>
               <a:prstGeom prst="plaque">
                 <a:avLst/>
@@ -6063,7 +6073,7 @@
               <a:p>
                 <a:pPr algn="ctr"/>
                 <a:r>
-                  <a:rPr lang="en-US" sz="600" b="1" dirty="0">
+                  <a:rPr lang="en-US" sz="500" b="1" dirty="0">
                     <a:cs typeface="Times New Roman" panose="02020603050405020304" pitchFamily="18" charset="0"/>
                   </a:rPr>
                   <a:t>TORC1 &amp; TORC2</a:t>
@@ -6085,8 +6095,8 @@
             </p:nvSpPr>
             <p:spPr>
               <a:xfrm>
-                <a:off x="10334099" y="4510986"/>
-                <a:ext cx="1486553" cy="308763"/>
+                <a:off x="10334098" y="4510987"/>
+                <a:ext cx="1486554" cy="345050"/>
               </a:xfrm>
               <a:prstGeom prst="plaque">
                 <a:avLst/>
@@ -6108,7 +6118,7 @@
               <a:p>
                 <a:pPr algn="ctr"/>
                 <a:r>
-                  <a:rPr lang="en-US" sz="600" b="1" dirty="0">
+                  <a:rPr lang="en-US" sz="500" b="1" dirty="0">
                     <a:cs typeface="Times New Roman" panose="02020603050405020304" pitchFamily="18" charset="0"/>
                   </a:rPr>
                   <a:t>TORC1</a:t>
@@ -6130,8 +6140,8 @@
             </p:nvSpPr>
             <p:spPr>
               <a:xfrm>
-                <a:off x="10306601" y="4805135"/>
-                <a:ext cx="1486553" cy="308763"/>
+                <a:off x="10334098" y="4816003"/>
+                <a:ext cx="1486554" cy="345050"/>
               </a:xfrm>
               <a:prstGeom prst="plaque">
                 <a:avLst/>
@@ -6153,7 +6163,7 @@
               <a:p>
                 <a:pPr algn="ctr"/>
                 <a:r>
-                  <a:rPr lang="en-US" sz="600" b="1" dirty="0">
+                  <a:rPr lang="en-US" sz="500" b="1" dirty="0">
                     <a:cs typeface="Times New Roman" panose="02020603050405020304" pitchFamily="18" charset="0"/>
                   </a:rPr>
                   <a:t>TORC1 &amp; TORC2</a:t>
@@ -6175,8 +6185,8 @@
             </p:nvSpPr>
             <p:spPr>
               <a:xfrm>
-                <a:off x="10306601" y="5120400"/>
-                <a:ext cx="1486553" cy="308763"/>
+                <a:off x="10334098" y="5176842"/>
+                <a:ext cx="1486554" cy="345050"/>
               </a:xfrm>
               <a:prstGeom prst="plaque">
                 <a:avLst/>
@@ -6198,7 +6208,7 @@
               <a:p>
                 <a:pPr algn="ctr"/>
                 <a:r>
-                  <a:rPr lang="en-US" sz="600" b="1" dirty="0">
+                  <a:rPr lang="en-US" sz="500" b="1" dirty="0">
                     <a:cs typeface="Times New Roman" panose="02020603050405020304" pitchFamily="18" charset="0"/>
                   </a:rPr>
                   <a:t>TORC2</a:t>
@@ -6221,7 +6231,7 @@
             <p:spPr>
               <a:xfrm>
                 <a:off x="6968668" y="3493605"/>
-                <a:ext cx="1486553" cy="308763"/>
+                <a:ext cx="1486554" cy="345050"/>
               </a:xfrm>
               <a:prstGeom prst="plaque">
                 <a:avLst/>
@@ -6243,7 +6253,7 @@
               <a:p>
                 <a:pPr algn="ctr"/>
                 <a:r>
-                  <a:rPr lang="en-US" sz="600" b="1" dirty="0">
+                  <a:rPr lang="en-US" sz="500" b="1" dirty="0">
                     <a:cs typeface="Times New Roman" panose="02020603050405020304" pitchFamily="18" charset="0"/>
                   </a:rPr>
                   <a:t>TORC1</a:t>
@@ -6266,7 +6276,7 @@
             <p:spPr>
               <a:xfrm>
                 <a:off x="6968668" y="6195161"/>
-                <a:ext cx="1486553" cy="308763"/>
+                <a:ext cx="1486554" cy="345050"/>
               </a:xfrm>
               <a:prstGeom prst="plaque">
                 <a:avLst/>
@@ -6288,7 +6298,7 @@
               <a:p>
                 <a:pPr algn="ctr"/>
                 <a:r>
-                  <a:rPr lang="en-US" sz="600" b="1" dirty="0">
+                  <a:rPr lang="en-US" sz="500" b="1" dirty="0">
                     <a:cs typeface="Times New Roman" panose="02020603050405020304" pitchFamily="18" charset="0"/>
                   </a:rPr>
                   <a:t>TORC1 &amp; TORC2</a:t>
@@ -6392,8 +6402,8 @@
           </p:nvCxnSpPr>
           <p:spPr>
             <a:xfrm>
-              <a:off x="6511932" y="1857305"/>
-              <a:ext cx="264201" cy="493807"/>
+              <a:off x="6511931" y="1857305"/>
+              <a:ext cx="264202" cy="507912"/>
             </a:xfrm>
             <a:prstGeom prst="bentConnector3">
               <a:avLst/>
@@ -6435,8 +6445,8 @@
           </p:nvCxnSpPr>
           <p:spPr>
             <a:xfrm>
-              <a:off x="6511932" y="2331238"/>
-              <a:ext cx="264201" cy="19874"/>
+              <a:off x="6511931" y="2331238"/>
+              <a:ext cx="264202" cy="33978"/>
             </a:xfrm>
             <a:prstGeom prst="bentConnector3">
               <a:avLst/>
@@ -6478,8 +6488,8 @@
           </p:nvCxnSpPr>
           <p:spPr>
             <a:xfrm flipV="1">
-              <a:off x="6511932" y="2351112"/>
-              <a:ext cx="264201" cy="454059"/>
+              <a:off x="6511931" y="2365216"/>
+              <a:ext cx="264202" cy="439955"/>
             </a:xfrm>
             <a:prstGeom prst="bentConnector3">
               <a:avLst/>
@@ -6522,7 +6532,7 @@
           <p:spPr>
             <a:xfrm>
               <a:off x="8704150" y="3900198"/>
-              <a:ext cx="319838" cy="156286"/>
+              <a:ext cx="319837" cy="170391"/>
             </a:xfrm>
             <a:prstGeom prst="bentConnector3">
               <a:avLst/>
@@ -6564,8 +6574,8 @@
           </p:nvCxnSpPr>
           <p:spPr>
             <a:xfrm flipV="1">
-              <a:off x="8713409" y="2545837"/>
-              <a:ext cx="310579" cy="443741"/>
+              <a:off x="8713408" y="2559942"/>
+              <a:ext cx="310579" cy="429636"/>
             </a:xfrm>
             <a:prstGeom prst="bentConnector3">
               <a:avLst/>
@@ -6607,8 +6617,8 @@
           </p:nvCxnSpPr>
           <p:spPr>
             <a:xfrm flipV="1">
-              <a:off x="8713409" y="2788358"/>
-              <a:ext cx="310579" cy="201220"/>
+              <a:off x="8713408" y="2802462"/>
+              <a:ext cx="310579" cy="187116"/>
             </a:xfrm>
             <a:prstGeom prst="bentConnector3">
               <a:avLst/>
@@ -6650,8 +6660,8 @@
           </p:nvCxnSpPr>
           <p:spPr>
             <a:xfrm flipV="1">
-              <a:off x="8704150" y="3142016"/>
-              <a:ext cx="338355" cy="303067"/>
+              <a:off x="8704150" y="3156121"/>
+              <a:ext cx="338355" cy="288961"/>
             </a:xfrm>
             <a:prstGeom prst="bentConnector3">
               <a:avLst/>
@@ -6693,8 +6703,8 @@
           </p:nvCxnSpPr>
           <p:spPr>
             <a:xfrm flipV="1">
-              <a:off x="8704150" y="3370685"/>
-              <a:ext cx="319838" cy="74398"/>
+              <a:off x="8704150" y="3393238"/>
+              <a:ext cx="338355" cy="51844"/>
             </a:xfrm>
             <a:prstGeom prst="bentConnector3">
               <a:avLst/>
@@ -6736,8 +6746,8 @@
           </p:nvCxnSpPr>
           <p:spPr>
             <a:xfrm>
-              <a:off x="8704150" y="3445083"/>
-              <a:ext cx="319838" cy="170686"/>
+              <a:off x="8704150" y="3445082"/>
+              <a:ext cx="338355" cy="228669"/>
             </a:xfrm>
             <a:prstGeom prst="bentConnector3">
               <a:avLst/>
@@ -6801,10 +6811,10 @@
       </p:sp>
       <p:pic>
         <p:nvPicPr>
-          <p:cNvPr id="49" name="Graphic 48">
+          <p:cNvPr id="50" name="Graphic 49">
             <a:extLst>
               <a:ext uri="{FF2B5EF4-FFF2-40B4-BE49-F238E27FC236}">
-                <a16:creationId xmlns:a16="http://schemas.microsoft.com/office/drawing/2014/main" id="{95A49144-070C-638A-AE75-41C2D2020D85}"/>
+                <a16:creationId xmlns:a16="http://schemas.microsoft.com/office/drawing/2014/main" id="{702E5F04-6DCB-9BB6-7A3E-277CB6CB7B92}"/>
               </a:ext>
             </a:extLst>
           </p:cNvPr>
@@ -6827,7 +6837,7 @@
         </p:blipFill>
         <p:spPr>
           <a:xfrm>
-            <a:off x="0" y="6199974"/>
+            <a:off x="3598375" y="7554999"/>
             <a:ext cx="3048000" cy="2286000"/>
           </a:xfrm>
           <a:prstGeom prst="rect">
@@ -6837,10 +6847,10 @@
       </p:pic>
       <p:pic>
         <p:nvPicPr>
-          <p:cNvPr id="50" name="Graphic 49">
+          <p:cNvPr id="51" name="Graphic 50">
             <a:extLst>
               <a:ext uri="{FF2B5EF4-FFF2-40B4-BE49-F238E27FC236}">
-                <a16:creationId xmlns:a16="http://schemas.microsoft.com/office/drawing/2014/main" id="{702E5F04-6DCB-9BB6-7A3E-277CB6CB7B92}"/>
+                <a16:creationId xmlns:a16="http://schemas.microsoft.com/office/drawing/2014/main" id="{29EEF29F-B237-E2CB-B814-C64838D4DFE2}"/>
               </a:ext>
             </a:extLst>
           </p:cNvPr>
@@ -6863,7 +6873,7 @@
         </p:blipFill>
         <p:spPr>
           <a:xfrm>
-            <a:off x="3604267" y="8858399"/>
+            <a:off x="3598375" y="4910812"/>
             <a:ext cx="3048000" cy="2286000"/>
           </a:xfrm>
           <a:prstGeom prst="rect">
@@ -6873,10 +6883,82 @@
       </p:pic>
       <p:pic>
         <p:nvPicPr>
-          <p:cNvPr id="51" name="Graphic 50">
+          <p:cNvPr id="58" name="Graphic 57">
             <a:extLst>
               <a:ext uri="{FF2B5EF4-FFF2-40B4-BE49-F238E27FC236}">
-                <a16:creationId xmlns:a16="http://schemas.microsoft.com/office/drawing/2014/main" id="{29EEF29F-B237-E2CB-B814-C64838D4DFE2}"/>
+                <a16:creationId xmlns:a16="http://schemas.microsoft.com/office/drawing/2014/main" id="{34B7C881-9AD9-ECBE-2DC6-5B4B9CA43DA3}"/>
+              </a:ext>
+            </a:extLst>
+          </p:cNvPr>
+          <p:cNvPicPr>
+            <a:picLocks noChangeAspect="1"/>
+          </p:cNvPicPr>
+          <p:nvPr/>
+        </p:nvPicPr>
+        <p:blipFill>
+          <a:blip r:embed="rId2">
+            <a:extLst>
+              <a:ext uri="{96DAC541-7B7A-43D3-8B79-37D633B846F1}">
+                <asvg:svgBlip xmlns:asvg="http://schemas.microsoft.com/office/drawing/2016/SVG/main" r:embed="rId3"/>
+              </a:ext>
+            </a:extLst>
+          </a:blip>
+          <a:stretch>
+            <a:fillRect/>
+          </a:stretch>
+        </p:blipFill>
+        <p:spPr>
+          <a:xfrm>
+            <a:off x="3620463" y="7558182"/>
+            <a:ext cx="3048000" cy="2286000"/>
+          </a:xfrm>
+          <a:prstGeom prst="rect">
+            <a:avLst/>
+          </a:prstGeom>
+        </p:spPr>
+      </p:pic>
+      <p:pic>
+        <p:nvPicPr>
+          <p:cNvPr id="59" name="Graphic 58">
+            <a:extLst>
+              <a:ext uri="{FF2B5EF4-FFF2-40B4-BE49-F238E27FC236}">
+                <a16:creationId xmlns:a16="http://schemas.microsoft.com/office/drawing/2014/main" id="{2F7870F3-725D-D9B8-E762-B25A86849395}"/>
+              </a:ext>
+            </a:extLst>
+          </p:cNvPr>
+          <p:cNvPicPr>
+            <a:picLocks noChangeAspect="1"/>
+          </p:cNvPicPr>
+          <p:nvPr/>
+        </p:nvPicPr>
+        <p:blipFill>
+          <a:blip r:embed="rId4">
+            <a:extLst>
+              <a:ext uri="{96DAC541-7B7A-43D3-8B79-37D633B846F1}">
+                <asvg:svgBlip xmlns:asvg="http://schemas.microsoft.com/office/drawing/2016/SVG/main" r:embed="rId5"/>
+              </a:ext>
+            </a:extLst>
+          </a:blip>
+          <a:stretch>
+            <a:fillRect/>
+          </a:stretch>
+        </p:blipFill>
+        <p:spPr>
+          <a:xfrm>
+            <a:off x="3620463" y="4913995"/>
+            <a:ext cx="3048000" cy="2286000"/>
+          </a:xfrm>
+          <a:prstGeom prst="rect">
+            <a:avLst/>
+          </a:prstGeom>
+        </p:spPr>
+      </p:pic>
+      <p:pic>
+        <p:nvPicPr>
+          <p:cNvPr id="61" name="Graphic 60">
+            <a:extLst>
+              <a:ext uri="{FF2B5EF4-FFF2-40B4-BE49-F238E27FC236}">
+                <a16:creationId xmlns:a16="http://schemas.microsoft.com/office/drawing/2014/main" id="{E22388DF-ED79-9B28-CF0D-11905DD946EC}"/>
               </a:ext>
             </a:extLst>
           </p:cNvPr>
@@ -6899,7 +6981,7 @@
         </p:blipFill>
         <p:spPr>
           <a:xfrm>
-            <a:off x="3604267" y="6261023"/>
+            <a:off x="89047" y="4917178"/>
             <a:ext cx="3048000" cy="2286000"/>
           </a:xfrm>
           <a:prstGeom prst="rect">
@@ -6909,10 +6991,10 @@
       </p:pic>
       <p:pic>
         <p:nvPicPr>
-          <p:cNvPr id="52" name="Graphic 51">
+          <p:cNvPr id="64" name="Graphic 63">
             <a:extLst>
               <a:ext uri="{FF2B5EF4-FFF2-40B4-BE49-F238E27FC236}">
-                <a16:creationId xmlns:a16="http://schemas.microsoft.com/office/drawing/2014/main" id="{1E31B58C-4EF5-A00B-C6C0-A5C04835A6BE}"/>
+                <a16:creationId xmlns:a16="http://schemas.microsoft.com/office/drawing/2014/main" id="{D24C8F19-44CA-D278-56C4-C8FD6F97449D}"/>
               </a:ext>
             </a:extLst>
           </p:cNvPr>
@@ -6935,7 +7017,7 @@
         </p:blipFill>
         <p:spPr>
           <a:xfrm>
-            <a:off x="0" y="8844287"/>
+            <a:off x="311527" y="7546914"/>
             <a:ext cx="3048000" cy="2286000"/>
           </a:xfrm>
           <a:prstGeom prst="rect">
@@ -6943,6 +7025,76 @@
           </a:prstGeom>
         </p:spPr>
       </p:pic>
+      <p:sp>
+        <p:nvSpPr>
+          <p:cNvPr id="78" name="TextBox 77">
+            <a:extLst>
+              <a:ext uri="{FF2B5EF4-FFF2-40B4-BE49-F238E27FC236}">
+                <a16:creationId xmlns:a16="http://schemas.microsoft.com/office/drawing/2014/main" id="{919776F6-5BBC-3724-53E6-FCBAFC266874}"/>
+              </a:ext>
+            </a:extLst>
+          </p:cNvPr>
+          <p:cNvSpPr txBox="1"/>
+          <p:nvPr/>
+        </p:nvSpPr>
+        <p:spPr>
+          <a:xfrm>
+            <a:off x="88495" y="902719"/>
+            <a:ext cx="610368" cy="369332"/>
+          </a:xfrm>
+          <a:prstGeom prst="rect">
+            <a:avLst/>
+          </a:prstGeom>
+          <a:noFill/>
+        </p:spPr>
+        <p:txBody>
+          <a:bodyPr wrap="square" rtlCol="0">
+            <a:spAutoFit/>
+          </a:bodyPr>
+          <a:lstStyle/>
+          <a:p>
+            <a:r>
+              <a:rPr lang="en-US" dirty="0"/>
+              <a:t>(A)</a:t>
+            </a:r>
+          </a:p>
+        </p:txBody>
+      </p:sp>
+      <p:sp>
+        <p:nvSpPr>
+          <p:cNvPr id="79" name="TextBox 78">
+            <a:extLst>
+              <a:ext uri="{FF2B5EF4-FFF2-40B4-BE49-F238E27FC236}">
+                <a16:creationId xmlns:a16="http://schemas.microsoft.com/office/drawing/2014/main" id="{6C57D60C-9129-0FEE-F0E6-7B3A5CD29B39}"/>
+              </a:ext>
+            </a:extLst>
+          </p:cNvPr>
+          <p:cNvSpPr txBox="1"/>
+          <p:nvPr/>
+        </p:nvSpPr>
+        <p:spPr>
+          <a:xfrm>
+            <a:off x="88495" y="4388776"/>
+            <a:ext cx="610368" cy="369332"/>
+          </a:xfrm>
+          <a:prstGeom prst="rect">
+            <a:avLst/>
+          </a:prstGeom>
+          <a:noFill/>
+        </p:spPr>
+        <p:txBody>
+          <a:bodyPr wrap="square" rtlCol="0">
+            <a:spAutoFit/>
+          </a:bodyPr>
+          <a:lstStyle/>
+          <a:p>
+            <a:r>
+              <a:rPr lang="en-US" dirty="0"/>
+              <a:t>(B)</a:t>
+            </a:r>
+          </a:p>
+        </p:txBody>
+      </p:sp>
     </p:spTree>
     <p:extLst>
       <p:ext uri="{BB962C8B-B14F-4D97-AF65-F5344CB8AC3E}">
